--- a/Diagnostics/local/Figures/paper_figures/Fig3.pptx
+++ b/Diagnostics/local/Figures/paper_figures/Fig3.pptx
@@ -243,7 +243,7 @@
           <a:p>
             <a:fld id="{6C4B1BBA-F852-4814-9BA7-9C801428E871}" type="datetimeFigureOut">
               <a:rPr lang="en-US" smtClean="0"/>
-              <a:t>4/13/2023</a:t>
+              <a:t>5/10/2023</a:t>
             </a:fld>
             <a:endParaRPr lang="en-US"/>
           </a:p>
@@ -413,7 +413,7 @@
           <a:p>
             <a:fld id="{6C4B1BBA-F852-4814-9BA7-9C801428E871}" type="datetimeFigureOut">
               <a:rPr lang="en-US" smtClean="0"/>
-              <a:t>4/13/2023</a:t>
+              <a:t>5/10/2023</a:t>
             </a:fld>
             <a:endParaRPr lang="en-US"/>
           </a:p>
@@ -593,7 +593,7 @@
           <a:p>
             <a:fld id="{6C4B1BBA-F852-4814-9BA7-9C801428E871}" type="datetimeFigureOut">
               <a:rPr lang="en-US" smtClean="0"/>
-              <a:t>4/13/2023</a:t>
+              <a:t>5/10/2023</a:t>
             </a:fld>
             <a:endParaRPr lang="en-US"/>
           </a:p>
@@ -763,7 +763,7 @@
           <a:p>
             <a:fld id="{6C4B1BBA-F852-4814-9BA7-9C801428E871}" type="datetimeFigureOut">
               <a:rPr lang="en-US" smtClean="0"/>
-              <a:t>4/13/2023</a:t>
+              <a:t>5/10/2023</a:t>
             </a:fld>
             <a:endParaRPr lang="en-US"/>
           </a:p>
@@ -1007,7 +1007,7 @@
           <a:p>
             <a:fld id="{6C4B1BBA-F852-4814-9BA7-9C801428E871}" type="datetimeFigureOut">
               <a:rPr lang="en-US" smtClean="0"/>
-              <a:t>4/13/2023</a:t>
+              <a:t>5/10/2023</a:t>
             </a:fld>
             <a:endParaRPr lang="en-US"/>
           </a:p>
@@ -1239,7 +1239,7 @@
           <a:p>
             <a:fld id="{6C4B1BBA-F852-4814-9BA7-9C801428E871}" type="datetimeFigureOut">
               <a:rPr lang="en-US" smtClean="0"/>
-              <a:t>4/13/2023</a:t>
+              <a:t>5/10/2023</a:t>
             </a:fld>
             <a:endParaRPr lang="en-US"/>
           </a:p>
@@ -1606,7 +1606,7 @@
           <a:p>
             <a:fld id="{6C4B1BBA-F852-4814-9BA7-9C801428E871}" type="datetimeFigureOut">
               <a:rPr lang="en-US" smtClean="0"/>
-              <a:t>4/13/2023</a:t>
+              <a:t>5/10/2023</a:t>
             </a:fld>
             <a:endParaRPr lang="en-US"/>
           </a:p>
@@ -1724,7 +1724,7 @@
           <a:p>
             <a:fld id="{6C4B1BBA-F852-4814-9BA7-9C801428E871}" type="datetimeFigureOut">
               <a:rPr lang="en-US" smtClean="0"/>
-              <a:t>4/13/2023</a:t>
+              <a:t>5/10/2023</a:t>
             </a:fld>
             <a:endParaRPr lang="en-US"/>
           </a:p>
@@ -1819,7 +1819,7 @@
           <a:p>
             <a:fld id="{6C4B1BBA-F852-4814-9BA7-9C801428E871}" type="datetimeFigureOut">
               <a:rPr lang="en-US" smtClean="0"/>
-              <a:t>4/13/2023</a:t>
+              <a:t>5/10/2023</a:t>
             </a:fld>
             <a:endParaRPr lang="en-US"/>
           </a:p>
@@ -2096,7 +2096,7 @@
           <a:p>
             <a:fld id="{6C4B1BBA-F852-4814-9BA7-9C801428E871}" type="datetimeFigureOut">
               <a:rPr lang="en-US" smtClean="0"/>
-              <a:t>4/13/2023</a:t>
+              <a:t>5/10/2023</a:t>
             </a:fld>
             <a:endParaRPr lang="en-US"/>
           </a:p>
@@ -2353,7 +2353,7 @@
           <a:p>
             <a:fld id="{6C4B1BBA-F852-4814-9BA7-9C801428E871}" type="datetimeFigureOut">
               <a:rPr lang="en-US" smtClean="0"/>
-              <a:t>4/13/2023</a:t>
+              <a:t>5/10/2023</a:t>
             </a:fld>
             <a:endParaRPr lang="en-US"/>
           </a:p>
@@ -2566,7 +2566,7 @@
           <a:p>
             <a:fld id="{6C4B1BBA-F852-4814-9BA7-9C801428E871}" type="datetimeFigureOut">
               <a:rPr lang="en-US" smtClean="0"/>
-              <a:t>4/13/2023</a:t>
+              <a:t>5/10/2023</a:t>
             </a:fld>
             <a:endParaRPr lang="en-US"/>
           </a:p>
@@ -2973,10 +2973,10 @@
       </p:grpSpPr>
       <p:pic>
         <p:nvPicPr>
-          <p:cNvPr id="21" name="Picture 20">
+          <p:cNvPr id="3" name="Picture 2">
             <a:extLst>
               <a:ext uri="{FF2B5EF4-FFF2-40B4-BE49-F238E27FC236}">
-                <a16:creationId xmlns:a16="http://schemas.microsoft.com/office/drawing/2014/main" id="{A194E5D5-1429-4A20-A334-94C61B9A84DE}"/>
+                <a16:creationId xmlns:a16="http://schemas.microsoft.com/office/drawing/2014/main" id="{58DDB7B4-1AE5-47A4-851F-A17402DB3CBF}"/>
               </a:ext>
             </a:extLst>
           </p:cNvPr>
@@ -2985,7 +2985,7 @@
           </p:cNvPicPr>
           <p:nvPr/>
         </p:nvPicPr>
-        <p:blipFill>
+        <p:blipFill rotWithShape="1">
           <a:blip r:embed="rId2">
             <a:extLst>
               <a:ext uri="{28A0092B-C50C-407E-A947-70E740481C1C}">
@@ -2993,14 +2993,13 @@
               </a:ext>
             </a:extLst>
           </a:blip>
-          <a:stretch>
-            <a:fillRect/>
-          </a:stretch>
+          <a:srcRect l="954" r="2279" b="3492"/>
+          <a:stretch/>
         </p:blipFill>
         <p:spPr>
           <a:xfrm>
-            <a:off x="0" y="41564"/>
-            <a:ext cx="7772400" cy="6359236"/>
+            <a:off x="0" y="-1"/>
+            <a:ext cx="7772400" cy="6342210"/>
           </a:xfrm>
           <a:prstGeom prst="rect">
             <a:avLst/>
@@ -3021,8 +3020,8 @@
         </p:nvSpPr>
         <p:spPr>
           <a:xfrm>
-            <a:off x="4265654" y="1439177"/>
-            <a:ext cx="2445919" cy="2240223"/>
+            <a:off x="4069494" y="1437172"/>
+            <a:ext cx="2825576" cy="2592007"/>
           </a:xfrm>
           <a:prstGeom prst="rect">
             <a:avLst/>
@@ -3079,7 +3078,7 @@
         </p:nvSpPr>
         <p:spPr>
           <a:xfrm>
-            <a:off x="1565738" y="4785978"/>
+            <a:off x="1483358" y="4901310"/>
             <a:ext cx="434511" cy="528320"/>
           </a:xfrm>
           <a:prstGeom prst="rect">

--- a/Diagnostics/local/Figures/paper_figures/Fig3.pptx
+++ b/Diagnostics/local/Figures/paper_figures/Fig3.pptx
@@ -243,7 +243,7 @@
           <a:p>
             <a:fld id="{6C4B1BBA-F852-4814-9BA7-9C801428E871}" type="datetimeFigureOut">
               <a:rPr lang="en-US" smtClean="0"/>
-              <a:t>5/10/2023</a:t>
+              <a:t>6/3/23</a:t>
             </a:fld>
             <a:endParaRPr lang="en-US"/>
           </a:p>
@@ -413,7 +413,7 @@
           <a:p>
             <a:fld id="{6C4B1BBA-F852-4814-9BA7-9C801428E871}" type="datetimeFigureOut">
               <a:rPr lang="en-US" smtClean="0"/>
-              <a:t>5/10/2023</a:t>
+              <a:t>6/3/23</a:t>
             </a:fld>
             <a:endParaRPr lang="en-US"/>
           </a:p>
@@ -593,7 +593,7 @@
           <a:p>
             <a:fld id="{6C4B1BBA-F852-4814-9BA7-9C801428E871}" type="datetimeFigureOut">
               <a:rPr lang="en-US" smtClean="0"/>
-              <a:t>5/10/2023</a:t>
+              <a:t>6/3/23</a:t>
             </a:fld>
             <a:endParaRPr lang="en-US"/>
           </a:p>
@@ -763,7 +763,7 @@
           <a:p>
             <a:fld id="{6C4B1BBA-F852-4814-9BA7-9C801428E871}" type="datetimeFigureOut">
               <a:rPr lang="en-US" smtClean="0"/>
-              <a:t>5/10/2023</a:t>
+              <a:t>6/3/23</a:t>
             </a:fld>
             <a:endParaRPr lang="en-US"/>
           </a:p>
@@ -1007,7 +1007,7 @@
           <a:p>
             <a:fld id="{6C4B1BBA-F852-4814-9BA7-9C801428E871}" type="datetimeFigureOut">
               <a:rPr lang="en-US" smtClean="0"/>
-              <a:t>5/10/2023</a:t>
+              <a:t>6/3/23</a:t>
             </a:fld>
             <a:endParaRPr lang="en-US"/>
           </a:p>
@@ -1239,7 +1239,7 @@
           <a:p>
             <a:fld id="{6C4B1BBA-F852-4814-9BA7-9C801428E871}" type="datetimeFigureOut">
               <a:rPr lang="en-US" smtClean="0"/>
-              <a:t>5/10/2023</a:t>
+              <a:t>6/3/23</a:t>
             </a:fld>
             <a:endParaRPr lang="en-US"/>
           </a:p>
@@ -1606,7 +1606,7 @@
           <a:p>
             <a:fld id="{6C4B1BBA-F852-4814-9BA7-9C801428E871}" type="datetimeFigureOut">
               <a:rPr lang="en-US" smtClean="0"/>
-              <a:t>5/10/2023</a:t>
+              <a:t>6/3/23</a:t>
             </a:fld>
             <a:endParaRPr lang="en-US"/>
           </a:p>
@@ -1724,7 +1724,7 @@
           <a:p>
             <a:fld id="{6C4B1BBA-F852-4814-9BA7-9C801428E871}" type="datetimeFigureOut">
               <a:rPr lang="en-US" smtClean="0"/>
-              <a:t>5/10/2023</a:t>
+              <a:t>6/3/23</a:t>
             </a:fld>
             <a:endParaRPr lang="en-US"/>
           </a:p>
@@ -1819,7 +1819,7 @@
           <a:p>
             <a:fld id="{6C4B1BBA-F852-4814-9BA7-9C801428E871}" type="datetimeFigureOut">
               <a:rPr lang="en-US" smtClean="0"/>
-              <a:t>5/10/2023</a:t>
+              <a:t>6/3/23</a:t>
             </a:fld>
             <a:endParaRPr lang="en-US"/>
           </a:p>
@@ -2096,7 +2096,7 @@
           <a:p>
             <a:fld id="{6C4B1BBA-F852-4814-9BA7-9C801428E871}" type="datetimeFigureOut">
               <a:rPr lang="en-US" smtClean="0"/>
-              <a:t>5/10/2023</a:t>
+              <a:t>6/3/23</a:t>
             </a:fld>
             <a:endParaRPr lang="en-US"/>
           </a:p>
@@ -2353,7 +2353,7 @@
           <a:p>
             <a:fld id="{6C4B1BBA-F852-4814-9BA7-9C801428E871}" type="datetimeFigureOut">
               <a:rPr lang="en-US" smtClean="0"/>
-              <a:t>5/10/2023</a:t>
+              <a:t>6/3/23</a:t>
             </a:fld>
             <a:endParaRPr lang="en-US"/>
           </a:p>
@@ -2566,7 +2566,7 @@
           <a:p>
             <a:fld id="{6C4B1BBA-F852-4814-9BA7-9C801428E871}" type="datetimeFigureOut">
               <a:rPr lang="en-US" smtClean="0"/>
-              <a:t>5/10/2023</a:t>
+              <a:t>6/3/23</a:t>
             </a:fld>
             <a:endParaRPr lang="en-US"/>
           </a:p>
@@ -2973,10 +2973,10 @@
       </p:grpSpPr>
       <p:pic>
         <p:nvPicPr>
-          <p:cNvPr id="3" name="Picture 2">
+          <p:cNvPr id="4" name="Picture 3">
             <a:extLst>
               <a:ext uri="{FF2B5EF4-FFF2-40B4-BE49-F238E27FC236}">
-                <a16:creationId xmlns:a16="http://schemas.microsoft.com/office/drawing/2014/main" id="{58DDB7B4-1AE5-47A4-851F-A17402DB3CBF}"/>
+                <a16:creationId xmlns:a16="http://schemas.microsoft.com/office/drawing/2014/main" id="{E4493A24-7477-1EBC-F190-A109DE5F1B4A}"/>
               </a:ext>
             </a:extLst>
           </p:cNvPr>
@@ -2993,13 +2993,13 @@
               </a:ext>
             </a:extLst>
           </a:blip>
-          <a:srcRect l="954" r="2279" b="3492"/>
+          <a:srcRect r="2353" b="3121"/>
           <a:stretch/>
         </p:blipFill>
         <p:spPr>
           <a:xfrm>
-            <a:off x="0" y="-1"/>
-            <a:ext cx="7772400" cy="6342210"/>
+            <a:off x="-1" y="34290"/>
+            <a:ext cx="7716247" cy="6263640"/>
           </a:xfrm>
           <a:prstGeom prst="rect">
             <a:avLst/>
@@ -3020,8 +3020,8 @@
         </p:nvSpPr>
         <p:spPr>
           <a:xfrm>
-            <a:off x="4069494" y="1437172"/>
-            <a:ext cx="2825576" cy="2592007"/>
+            <a:off x="4037160" y="1523133"/>
+            <a:ext cx="2786883" cy="2556512"/>
           </a:xfrm>
           <a:prstGeom prst="rect">
             <a:avLst/>
@@ -3133,8 +3133,8 @@
         </p:nvCxnSpPr>
         <p:spPr>
           <a:xfrm flipV="1">
-            <a:off x="2000249" y="3064476"/>
-            <a:ext cx="1986865" cy="1880906"/>
+            <a:off x="2000249" y="3213908"/>
+            <a:ext cx="1885951" cy="1731474"/>
           </a:xfrm>
           <a:prstGeom prst="straightConnector1">
             <a:avLst/>

--- a/Diagnostics/local/Figures/paper_figures/Fig3.pptx
+++ b/Diagnostics/local/Figures/paper_figures/Fig3.pptx
@@ -243,7 +243,7 @@
           <a:p>
             <a:fld id="{6C4B1BBA-F852-4814-9BA7-9C801428E871}" type="datetimeFigureOut">
               <a:rPr lang="en-US" smtClean="0"/>
-              <a:t>6/3/23</a:t>
+              <a:t>6/23/23</a:t>
             </a:fld>
             <a:endParaRPr lang="en-US"/>
           </a:p>
@@ -413,7 +413,7 @@
           <a:p>
             <a:fld id="{6C4B1BBA-F852-4814-9BA7-9C801428E871}" type="datetimeFigureOut">
               <a:rPr lang="en-US" smtClean="0"/>
-              <a:t>6/3/23</a:t>
+              <a:t>6/23/23</a:t>
             </a:fld>
             <a:endParaRPr lang="en-US"/>
           </a:p>
@@ -593,7 +593,7 @@
           <a:p>
             <a:fld id="{6C4B1BBA-F852-4814-9BA7-9C801428E871}" type="datetimeFigureOut">
               <a:rPr lang="en-US" smtClean="0"/>
-              <a:t>6/3/23</a:t>
+              <a:t>6/23/23</a:t>
             </a:fld>
             <a:endParaRPr lang="en-US"/>
           </a:p>
@@ -763,7 +763,7 @@
           <a:p>
             <a:fld id="{6C4B1BBA-F852-4814-9BA7-9C801428E871}" type="datetimeFigureOut">
               <a:rPr lang="en-US" smtClean="0"/>
-              <a:t>6/3/23</a:t>
+              <a:t>6/23/23</a:t>
             </a:fld>
             <a:endParaRPr lang="en-US"/>
           </a:p>
@@ -1007,7 +1007,7 @@
           <a:p>
             <a:fld id="{6C4B1BBA-F852-4814-9BA7-9C801428E871}" type="datetimeFigureOut">
               <a:rPr lang="en-US" smtClean="0"/>
-              <a:t>6/3/23</a:t>
+              <a:t>6/23/23</a:t>
             </a:fld>
             <a:endParaRPr lang="en-US"/>
           </a:p>
@@ -1239,7 +1239,7 @@
           <a:p>
             <a:fld id="{6C4B1BBA-F852-4814-9BA7-9C801428E871}" type="datetimeFigureOut">
               <a:rPr lang="en-US" smtClean="0"/>
-              <a:t>6/3/23</a:t>
+              <a:t>6/23/23</a:t>
             </a:fld>
             <a:endParaRPr lang="en-US"/>
           </a:p>
@@ -1606,7 +1606,7 @@
           <a:p>
             <a:fld id="{6C4B1BBA-F852-4814-9BA7-9C801428E871}" type="datetimeFigureOut">
               <a:rPr lang="en-US" smtClean="0"/>
-              <a:t>6/3/23</a:t>
+              <a:t>6/23/23</a:t>
             </a:fld>
             <a:endParaRPr lang="en-US"/>
           </a:p>
@@ -1724,7 +1724,7 @@
           <a:p>
             <a:fld id="{6C4B1BBA-F852-4814-9BA7-9C801428E871}" type="datetimeFigureOut">
               <a:rPr lang="en-US" smtClean="0"/>
-              <a:t>6/3/23</a:t>
+              <a:t>6/23/23</a:t>
             </a:fld>
             <a:endParaRPr lang="en-US"/>
           </a:p>
@@ -1819,7 +1819,7 @@
           <a:p>
             <a:fld id="{6C4B1BBA-F852-4814-9BA7-9C801428E871}" type="datetimeFigureOut">
               <a:rPr lang="en-US" smtClean="0"/>
-              <a:t>6/3/23</a:t>
+              <a:t>6/23/23</a:t>
             </a:fld>
             <a:endParaRPr lang="en-US"/>
           </a:p>
@@ -2096,7 +2096,7 @@
           <a:p>
             <a:fld id="{6C4B1BBA-F852-4814-9BA7-9C801428E871}" type="datetimeFigureOut">
               <a:rPr lang="en-US" smtClean="0"/>
-              <a:t>6/3/23</a:t>
+              <a:t>6/23/23</a:t>
             </a:fld>
             <a:endParaRPr lang="en-US"/>
           </a:p>
@@ -2353,7 +2353,7 @@
           <a:p>
             <a:fld id="{6C4B1BBA-F852-4814-9BA7-9C801428E871}" type="datetimeFigureOut">
               <a:rPr lang="en-US" smtClean="0"/>
-              <a:t>6/3/23</a:t>
+              <a:t>6/23/23</a:t>
             </a:fld>
             <a:endParaRPr lang="en-US"/>
           </a:p>
@@ -2566,7 +2566,7 @@
           <a:p>
             <a:fld id="{6C4B1BBA-F852-4814-9BA7-9C801428E871}" type="datetimeFigureOut">
               <a:rPr lang="en-US" smtClean="0"/>
-              <a:t>6/3/23</a:t>
+              <a:t>6/23/23</a:t>
             </a:fld>
             <a:endParaRPr lang="en-US"/>
           </a:p>
@@ -2973,10 +2973,10 @@
       </p:grpSpPr>
       <p:pic>
         <p:nvPicPr>
-          <p:cNvPr id="4" name="Picture 3">
+          <p:cNvPr id="3" name="Picture 2" descr="A picture containing text, line, plot, diagram&#10;&#10;Description automatically generated">
             <a:extLst>
               <a:ext uri="{FF2B5EF4-FFF2-40B4-BE49-F238E27FC236}">
-                <a16:creationId xmlns:a16="http://schemas.microsoft.com/office/drawing/2014/main" id="{E4493A24-7477-1EBC-F190-A109DE5F1B4A}"/>
+                <a16:creationId xmlns:a16="http://schemas.microsoft.com/office/drawing/2014/main" id="{44F92F98-7FAA-070D-E8BF-2ACD1D1F6D13}"/>
               </a:ext>
             </a:extLst>
           </p:cNvPr>
@@ -2993,13 +2993,13 @@
               </a:ext>
             </a:extLst>
           </a:blip>
-          <a:srcRect r="2353" b="3121"/>
+          <a:srcRect r="1617" b="2729"/>
           <a:stretch/>
         </p:blipFill>
         <p:spPr>
           <a:xfrm>
-            <a:off x="-1" y="34290"/>
-            <a:ext cx="7716247" cy="6263640"/>
+            <a:off x="0" y="32212"/>
+            <a:ext cx="7773836" cy="6288578"/>
           </a:xfrm>
           <a:prstGeom prst="rect">
             <a:avLst/>
@@ -3020,8 +3020,8 @@
         </p:nvSpPr>
         <p:spPr>
           <a:xfrm>
-            <a:off x="4037160" y="1523133"/>
-            <a:ext cx="2786883" cy="2556512"/>
+            <a:off x="4171949" y="1887994"/>
+            <a:ext cx="2548891" cy="2021065"/>
           </a:xfrm>
           <a:prstGeom prst="rect">
             <a:avLst/>
@@ -3078,8 +3078,8 @@
         </p:nvSpPr>
         <p:spPr>
           <a:xfrm>
-            <a:off x="1483358" y="4901310"/>
-            <a:ext cx="434511" cy="528320"/>
+            <a:off x="1563368" y="4903470"/>
+            <a:ext cx="434511" cy="469010"/>
           </a:xfrm>
           <a:prstGeom prst="rect">
             <a:avLst/>
@@ -3133,8 +3133,8 @@
         </p:nvCxnSpPr>
         <p:spPr>
           <a:xfrm flipV="1">
-            <a:off x="2000249" y="3213908"/>
-            <a:ext cx="1885951" cy="1731474"/>
+            <a:off x="2091690" y="3337560"/>
+            <a:ext cx="1851192" cy="1565910"/>
           </a:xfrm>
           <a:prstGeom prst="straightConnector1">
             <a:avLst/>
